--- a/工具介绍.pptx
+++ b/工具介绍.pptx
@@ -301,7 +301,7 @@
             <a:fld id="{2FE7D661-1836-44F7-8FAF-35E8F866ECD3}" type="datetime1">
               <a:rPr lang="en-US" smtClean="0"/>
               <a:pPr/>
-              <a:t>3/23/15</a:t>
+              <a:t>3/24/15</a:t>
             </a:fld>
             <a:endParaRPr lang="en-US"/>
           </a:p>
@@ -466,7 +466,7 @@
           <a:p>
             <a:fld id="{B1FF71CE-B899-4B2B-848D-9F12F0C901B6}" type="datetimeFigureOut">
               <a:rPr lang="en-US" smtClean="0"/>
-              <a:t>3/23/15</a:t>
+              <a:t>3/24/15</a:t>
             </a:fld>
             <a:endParaRPr lang="en-US"/>
           </a:p>
@@ -642,7 +642,7 @@
             <a:fld id="{102CF1CA-F464-4B29-B867-EAF8A9B936E3}" type="datetime1">
               <a:rPr lang="en-US" smtClean="0"/>
               <a:pPr/>
-              <a:t>3/23/15</a:t>
+              <a:t>3/24/15</a:t>
             </a:fld>
             <a:endParaRPr lang="en-US" dirty="0"/>
           </a:p>
@@ -809,7 +809,7 @@
             <a:fld id="{CAE6B357-51B9-47D2-A71D-0D06CB03185D}" type="datetime1">
               <a:rPr lang="en-US" smtClean="0"/>
               <a:pPr/>
-              <a:t>3/23/15</a:t>
+              <a:t>3/24/15</a:t>
             </a:fld>
             <a:endParaRPr lang="en-US"/>
           </a:p>
@@ -1050,7 +1050,7 @@
             <a:fld id="{058CB827-F132-4DF6-9FB9-4035A4C798EF}" type="datetime1">
               <a:rPr lang="en-US" smtClean="0"/>
               <a:pPr/>
-              <a:t>3/23/15</a:t>
+              <a:t>3/24/15</a:t>
             </a:fld>
             <a:endParaRPr lang="en-US"/>
           </a:p>
@@ -1334,7 +1334,7 @@
             <a:fld id="{1A92A601-7D32-4ED7-AD1A-974B6DDBDCDC}" type="datetime1">
               <a:rPr lang="en-US" smtClean="0"/>
               <a:pPr/>
-              <a:t>3/23/15</a:t>
+              <a:t>3/24/15</a:t>
             </a:fld>
             <a:endParaRPr lang="en-US"/>
           </a:p>
@@ -1753,7 +1753,7 @@
             <a:fld id="{63A17B41-4A0C-4639-A132-E5C8F99A4BE8}" type="datetime1">
               <a:rPr lang="en-US" smtClean="0"/>
               <a:pPr/>
-              <a:t>3/23/15</a:t>
+              <a:t>3/24/15</a:t>
             </a:fld>
             <a:endParaRPr lang="en-US"/>
           </a:p>
@@ -1868,7 +1868,7 @@
             <a:fld id="{BE9967FD-6084-4075-993E-77EC8038773F}" type="datetime1">
               <a:rPr lang="en-US" smtClean="0"/>
               <a:pPr/>
-              <a:t>3/23/15</a:t>
+              <a:t>3/24/15</a:t>
             </a:fld>
             <a:endParaRPr lang="en-US"/>
           </a:p>
@@ -1960,7 +1960,7 @@
             <a:fld id="{3B988B47-74BA-4873-ADAE-EB0120124E83}" type="datetime1">
               <a:rPr lang="en-US" smtClean="0"/>
               <a:pPr/>
-              <a:t>3/23/15</a:t>
+              <a:t>3/24/15</a:t>
             </a:fld>
             <a:endParaRPr lang="en-US"/>
           </a:p>
@@ -2241,7 +2241,7 @@
             <a:fld id="{93CF52C1-9A39-494C-9977-BBEFAB872C1F}" type="datetime1">
               <a:rPr lang="en-US" smtClean="0"/>
               <a:pPr/>
-              <a:t>3/23/15</a:t>
+              <a:t>3/24/15</a:t>
             </a:fld>
             <a:endParaRPr lang="en-US"/>
           </a:p>
@@ -2502,7 +2502,7 @@
             <a:fld id="{CD1EACE2-EA00-4376-9A66-47ABB8B02CF5}" type="datetime1">
               <a:rPr lang="en-US" smtClean="0"/>
               <a:pPr/>
-              <a:t>3/23/15</a:t>
+              <a:t>3/24/15</a:t>
             </a:fld>
             <a:endParaRPr lang="en-US"/>
           </a:p>
@@ -2712,7 +2712,7 @@
             <a:fld id="{DA47DADC-55EA-4839-91C8-5BCC0EC06F5C}" type="datetime1">
               <a:rPr lang="en-US" smtClean="0"/>
               <a:pPr/>
-              <a:t>3/23/15</a:t>
+              <a:t>3/24/15</a:t>
             </a:fld>
             <a:endParaRPr lang="en-US" dirty="0"/>
           </a:p>
@@ -3194,8 +3194,8 @@
           <a:lstStyle/>
           <a:p>
             <a:r>
-              <a:rPr lang="en-US" dirty="0" smtClean="0"/>
-              <a:t>2015软件工程实验课</a:t>
+              <a:rPr lang="en-US" smtClean="0"/>
+              <a:t>2015</a:t>
             </a:r>
             <a:endParaRPr lang="en-US" dirty="0"/>
           </a:p>
@@ -3211,11 +3211,11 @@
   <p:clrMapOvr>
     <a:masterClrMapping/>
   </p:clrMapOvr>
-  <mc:AlternateContent xmlns:mc="http://schemas.openxmlformats.org/markup-compatibility/2006">
-    <mc:Choice xmlns:p14="http://schemas.microsoft.com/office/powerpoint/2010/main" Requires="p14">
+  <mc:AlternateContent xmlns:mc="http://schemas.openxmlformats.org/markup-compatibility/2006" xmlns:p14="http://schemas.microsoft.com/office/powerpoint/2010/main">
+    <mc:Choice Requires="p14">
       <p:transition spd="slow" p14:dur="2000"/>
     </mc:Choice>
-    <mc:Fallback>
+    <mc:Fallback xmlns="">
       <p:transition xmlns:p14="http://schemas.microsoft.com/office/powerpoint/2010/main" spd="slow"/>
     </mc:Fallback>
   </mc:AlternateContent>
@@ -3379,11 +3379,11 @@
   <p:clrMapOvr>
     <a:masterClrMapping/>
   </p:clrMapOvr>
-  <mc:AlternateContent xmlns:mc="http://schemas.openxmlformats.org/markup-compatibility/2006">
-    <mc:Choice xmlns:p14="http://schemas.microsoft.com/office/powerpoint/2010/main" Requires="p14">
+  <mc:AlternateContent xmlns:mc="http://schemas.openxmlformats.org/markup-compatibility/2006" xmlns:p14="http://schemas.microsoft.com/office/powerpoint/2010/main">
+    <mc:Choice Requires="p14">
       <p:transition spd="slow" p14:dur="2000"/>
     </mc:Choice>
-    <mc:Fallback>
+    <mc:Fallback xmlns="">
       <p:transition xmlns:p14="http://schemas.microsoft.com/office/powerpoint/2010/main" spd="slow"/>
     </mc:Fallback>
   </mc:AlternateContent>
@@ -3487,11 +3487,11 @@
   <p:clrMapOvr>
     <a:masterClrMapping/>
   </p:clrMapOvr>
-  <mc:AlternateContent xmlns:mc="http://schemas.openxmlformats.org/markup-compatibility/2006">
-    <mc:Choice xmlns:p14="http://schemas.microsoft.com/office/powerpoint/2010/main" Requires="p14">
+  <mc:AlternateContent xmlns:mc="http://schemas.openxmlformats.org/markup-compatibility/2006" xmlns:p14="http://schemas.microsoft.com/office/powerpoint/2010/main">
+    <mc:Choice Requires="p14">
       <p:transition spd="slow" p14:dur="2000"/>
     </mc:Choice>
-    <mc:Fallback>
+    <mc:Fallback xmlns="">
       <p:transition xmlns:p14="http://schemas.microsoft.com/office/powerpoint/2010/main" spd="slow"/>
     </mc:Fallback>
   </mc:AlternateContent>
@@ -3662,11 +3662,11 @@
   <p:clrMapOvr>
     <a:masterClrMapping/>
   </p:clrMapOvr>
-  <mc:AlternateContent xmlns:mc="http://schemas.openxmlformats.org/markup-compatibility/2006">
-    <mc:Choice xmlns:p14="http://schemas.microsoft.com/office/powerpoint/2010/main" Requires="p14">
+  <mc:AlternateContent xmlns:mc="http://schemas.openxmlformats.org/markup-compatibility/2006" xmlns:p14="http://schemas.microsoft.com/office/powerpoint/2010/main">
+    <mc:Choice Requires="p14">
       <p:transition spd="slow" p14:dur="2000"/>
     </mc:Choice>
-    <mc:Fallback>
+    <mc:Fallback xmlns="">
       <p:transition xmlns:p14="http://schemas.microsoft.com/office/powerpoint/2010/main" spd="slow"/>
     </mc:Fallback>
   </mc:AlternateContent>
@@ -4043,15 +4043,7 @@
             </a:r>
             <a:r>
               <a:rPr lang="en-US" altLang="zh-CN" dirty="0" smtClean="0"/>
-              <a:t>&gt;</a:t>
-            </a:r>
-            <a:r>
-              <a:rPr lang="en-US" altLang="zh-CN" dirty="0" smtClean="0"/>
-              <a:t>-</a:t>
-            </a:r>
-            <a:r>
-              <a:rPr lang="en-US" altLang="zh-CN" dirty="0" smtClean="0"/>
-              <a:t>&lt;</a:t>
+              <a:t>&gt;-&lt;</a:t>
             </a:r>
             <a:r>
               <a:rPr lang="zh-CN" altLang="en-US" dirty="0"/>
@@ -4083,15 +4075,7 @@
             </a:r>
             <a:r>
               <a:rPr lang="en-US" altLang="zh-CN" dirty="0" smtClean="0"/>
-              <a:t>&gt;</a:t>
-            </a:r>
-            <a:r>
-              <a:rPr lang="en-US" altLang="zh-CN" dirty="0" smtClean="0"/>
-              <a:t>-</a:t>
-            </a:r>
-            <a:r>
-              <a:rPr lang="en-US" altLang="zh-CN" dirty="0" smtClean="0"/>
-              <a:t>&lt;</a:t>
+              <a:t>&gt;-&lt;</a:t>
             </a:r>
             <a:r>
               <a:rPr lang="zh-CN" altLang="en-US" dirty="0"/>
@@ -4320,11 +4304,11 @@
   <p:clrMapOvr>
     <a:masterClrMapping/>
   </p:clrMapOvr>
-  <mc:AlternateContent xmlns:mc="http://schemas.openxmlformats.org/markup-compatibility/2006">
-    <mc:Choice xmlns:p14="http://schemas.microsoft.com/office/powerpoint/2010/main" Requires="p14">
+  <mc:AlternateContent xmlns:mc="http://schemas.openxmlformats.org/markup-compatibility/2006" xmlns:p14="http://schemas.microsoft.com/office/powerpoint/2010/main">
+    <mc:Choice Requires="p14">
       <p:transition spd="slow" p14:dur="2000"/>
     </mc:Choice>
-    <mc:Fallback>
+    <mc:Fallback xmlns="">
       <p:transition xmlns:p14="http://schemas.microsoft.com/office/powerpoint/2010/main" spd="slow"/>
     </mc:Fallback>
   </mc:AlternateContent>
